--- a/inst/doc_examples/example.pptx
+++ b/inst/doc_examples/example.pptx
@@ -7,6 +7,7 @@
   <p:sldIdLst>
     <p:sldId id="256" r:id="rId2"/>
     <p:sldId id="257" r:id="rId3"/>
+    <p:sldId id="258" r:id="rId4"/>
   </p:sldIdLst>
   <p:sldSz cx="9144000" cy="6858000" type="screen4x3"/>
   <p:notesSz cx="6858000" cy="9144000"/>
@@ -289,7 +290,7 @@
           <a:p>
             <a:fld id="{83DD1AA2-79A4-FA4D-B14E-14BED1CACA69}" type="datetimeFigureOut">
               <a:rPr lang="fr-FR" smtClean="0"/>
-              <a:t>29/04/17</a:t>
+              <a:t>28/08/17</a:t>
             </a:fld>
             <a:endParaRPr lang="fr-FR"/>
           </a:p>
@@ -459,7 +460,7 @@
           <a:p>
             <a:fld id="{83DD1AA2-79A4-FA4D-B14E-14BED1CACA69}" type="datetimeFigureOut">
               <a:rPr lang="fr-FR" smtClean="0"/>
-              <a:t>29/04/17</a:t>
+              <a:t>28/08/17</a:t>
             </a:fld>
             <a:endParaRPr lang="fr-FR"/>
           </a:p>
@@ -639,7 +640,7 @@
           <a:p>
             <a:fld id="{83DD1AA2-79A4-FA4D-B14E-14BED1CACA69}" type="datetimeFigureOut">
               <a:rPr lang="fr-FR" smtClean="0"/>
-              <a:t>29/04/17</a:t>
+              <a:t>28/08/17</a:t>
             </a:fld>
             <a:endParaRPr lang="fr-FR"/>
           </a:p>
@@ -809,7 +810,7 @@
           <a:p>
             <a:fld id="{83DD1AA2-79A4-FA4D-B14E-14BED1CACA69}" type="datetimeFigureOut">
               <a:rPr lang="fr-FR" smtClean="0"/>
-              <a:t>29/04/17</a:t>
+              <a:t>28/08/17</a:t>
             </a:fld>
             <a:endParaRPr lang="fr-FR"/>
           </a:p>
@@ -1055,7 +1056,7 @@
           <a:p>
             <a:fld id="{83DD1AA2-79A4-FA4D-B14E-14BED1CACA69}" type="datetimeFigureOut">
               <a:rPr lang="fr-FR" smtClean="0"/>
-              <a:t>29/04/17</a:t>
+              <a:t>28/08/17</a:t>
             </a:fld>
             <a:endParaRPr lang="fr-FR"/>
           </a:p>
@@ -1343,7 +1344,7 @@
           <a:p>
             <a:fld id="{83DD1AA2-79A4-FA4D-B14E-14BED1CACA69}" type="datetimeFigureOut">
               <a:rPr lang="fr-FR" smtClean="0"/>
-              <a:t>29/04/17</a:t>
+              <a:t>28/08/17</a:t>
             </a:fld>
             <a:endParaRPr lang="fr-FR"/>
           </a:p>
@@ -1765,7 +1766,7 @@
           <a:p>
             <a:fld id="{83DD1AA2-79A4-FA4D-B14E-14BED1CACA69}" type="datetimeFigureOut">
               <a:rPr lang="fr-FR" smtClean="0"/>
-              <a:t>29/04/17</a:t>
+              <a:t>28/08/17</a:t>
             </a:fld>
             <a:endParaRPr lang="fr-FR"/>
           </a:p>
@@ -1883,7 +1884,7 @@
           <a:p>
             <a:fld id="{83DD1AA2-79A4-FA4D-B14E-14BED1CACA69}" type="datetimeFigureOut">
               <a:rPr lang="fr-FR" smtClean="0"/>
-              <a:t>29/04/17</a:t>
+              <a:t>28/08/17</a:t>
             </a:fld>
             <a:endParaRPr lang="fr-FR"/>
           </a:p>
@@ -1978,7 +1979,7 @@
           <a:p>
             <a:fld id="{83DD1AA2-79A4-FA4D-B14E-14BED1CACA69}" type="datetimeFigureOut">
               <a:rPr lang="fr-FR" smtClean="0"/>
-              <a:t>29/04/17</a:t>
+              <a:t>28/08/17</a:t>
             </a:fld>
             <a:endParaRPr lang="fr-FR"/>
           </a:p>
@@ -2255,7 +2256,7 @@
           <a:p>
             <a:fld id="{83DD1AA2-79A4-FA4D-B14E-14BED1CACA69}" type="datetimeFigureOut">
               <a:rPr lang="fr-FR" smtClean="0"/>
-              <a:t>29/04/17</a:t>
+              <a:t>28/08/17</a:t>
             </a:fld>
             <a:endParaRPr lang="fr-FR"/>
           </a:p>
@@ -2508,7 +2509,7 @@
           <a:p>
             <a:fld id="{83DD1AA2-79A4-FA4D-B14E-14BED1CACA69}" type="datetimeFigureOut">
               <a:rPr lang="fr-FR" smtClean="0"/>
-              <a:t>29/04/17</a:t>
+              <a:t>28/08/17</a:t>
             </a:fld>
             <a:endParaRPr lang="fr-FR"/>
           </a:p>
@@ -2721,7 +2722,7 @@
           <a:p>
             <a:fld id="{83DD1AA2-79A4-FA4D-B14E-14BED1CACA69}" type="datetimeFigureOut">
               <a:rPr lang="fr-FR" smtClean="0"/>
-              <a:t>29/04/17</a:t>
+              <a:t>28/08/17</a:t>
             </a:fld>
             <a:endParaRPr lang="fr-FR"/>
           </a:p>
@@ -3715,6 +3716,348 @@
     <p:extLst>
       <p:ext uri="{BB962C8B-B14F-4D97-AF65-F5344CB8AC3E}">
         <p14:creationId xmlns:p14="http://schemas.microsoft.com/office/powerpoint/2010/main" val="3383802336"/>
+      </p:ext>
+    </p:extLst>
+  </p:cSld>
+  <p:clrMapOvr>
+    <a:masterClrMapping/>
+  </p:clrMapOvr>
+</p:sld>
+</file>
+
+<file path=ppt/slides/slide3.xml><?xml version="1.0" encoding="utf-8"?>
+<p:sld xmlns:a="http://schemas.openxmlformats.org/drawingml/2006/main" xmlns:r="http://schemas.openxmlformats.org/officeDocument/2006/relationships" xmlns:p="http://schemas.openxmlformats.org/presentationml/2006/main">
+  <p:cSld>
+    <p:spTree>
+      <p:nvGrpSpPr>
+        <p:cNvPr id="1" name=""/>
+        <p:cNvGrpSpPr/>
+        <p:nvPr/>
+      </p:nvGrpSpPr>
+      <p:grpSpPr>
+        <a:xfrm>
+          <a:off x="0" y="0"/>
+          <a:ext cx="0" cy="0"/>
+          <a:chOff x="0" y="0"/>
+          <a:chExt cx="0" cy="0"/>
+        </a:xfrm>
+      </p:grpSpPr>
+      <p:graphicFrame>
+        <p:nvGraphicFramePr>
+          <p:cNvPr id="5" name="Espace réservé du contenu 4"/>
+          <p:cNvGraphicFramePr>
+            <a:graphicFrameLocks noGrp="1"/>
+          </p:cNvGraphicFramePr>
+          <p:nvPr>
+            <p:ph idx="1"/>
+            <p:extLst>
+              <p:ext uri="{D42A27DB-BD31-4B8C-83A1-F6EECF244321}">
+                <p14:modId xmlns:p14="http://schemas.microsoft.com/office/powerpoint/2010/main" val="3510080387"/>
+              </p:ext>
+            </p:extLst>
+          </p:nvPr>
+        </p:nvGraphicFramePr>
+        <p:xfrm>
+          <a:off x="457200" y="1600200"/>
+          <a:ext cx="8229600" cy="1854200"/>
+        </p:xfrm>
+        <a:graphic>
+          <a:graphicData uri="http://schemas.openxmlformats.org/drawingml/2006/table">
+            <a:tbl>
+              <a:tblPr firstRow="1" bandRow="1">
+                <a:tableStyleId>{5C22544A-7EE6-4342-B048-85BDC9FD1C3A}</a:tableStyleId>
+              </a:tblPr>
+              <a:tblGrid>
+                <a:gridCol w="1645920"/>
+                <a:gridCol w="1645920"/>
+                <a:gridCol w="1645920"/>
+                <a:gridCol w="1645920"/>
+                <a:gridCol w="1645920"/>
+              </a:tblGrid>
+              <a:tr h="370840">
+                <a:tc>
+                  <a:txBody>
+                    <a:bodyPr/>
+                    <a:lstStyle/>
+                    <a:p>
+                      <a:endParaRPr lang="fr-FR" dirty="0"/>
+                    </a:p>
+                  </a:txBody>
+                  <a:tcPr/>
+                </a:tc>
+                <a:tc>
+                  <a:txBody>
+                    <a:bodyPr/>
+                    <a:lstStyle/>
+                    <a:p>
+                      <a:endParaRPr lang="fr-FR"/>
+                    </a:p>
+                  </a:txBody>
+                  <a:tcPr/>
+                </a:tc>
+                <a:tc>
+                  <a:txBody>
+                    <a:bodyPr/>
+                    <a:lstStyle/>
+                    <a:p>
+                      <a:endParaRPr lang="fr-FR"/>
+                    </a:p>
+                  </a:txBody>
+                  <a:tcPr/>
+                </a:tc>
+                <a:tc>
+                  <a:txBody>
+                    <a:bodyPr/>
+                    <a:lstStyle/>
+                    <a:p>
+                      <a:endParaRPr lang="fr-FR"/>
+                    </a:p>
+                  </a:txBody>
+                  <a:tcPr/>
+                </a:tc>
+                <a:tc>
+                  <a:txBody>
+                    <a:bodyPr/>
+                    <a:lstStyle/>
+                    <a:p>
+                      <a:endParaRPr lang="fr-FR"/>
+                    </a:p>
+                  </a:txBody>
+                  <a:tcPr/>
+                </a:tc>
+              </a:tr>
+              <a:tr h="370840">
+                <a:tc gridSpan="2">
+                  <a:txBody>
+                    <a:bodyPr/>
+                    <a:lstStyle/>
+                    <a:p>
+                      <a:r>
+                        <a:rPr lang="fr-FR" dirty="0" smtClean="0"/>
+                        <a:t>a</a:t>
+                      </a:r>
+                      <a:endParaRPr lang="fr-FR" dirty="0"/>
+                    </a:p>
+                  </a:txBody>
+                  <a:tcPr/>
+                </a:tc>
+                <a:tc hMerge="1">
+                  <a:txBody>
+                    <a:bodyPr/>
+                    <a:lstStyle/>
+                    <a:p>
+                      <a:endParaRPr lang="fr-FR" dirty="0"/>
+                    </a:p>
+                  </a:txBody>
+                  <a:tcPr/>
+                </a:tc>
+                <a:tc>
+                  <a:txBody>
+                    <a:bodyPr/>
+                    <a:lstStyle/>
+                    <a:p>
+                      <a:endParaRPr lang="fr-FR"/>
+                    </a:p>
+                  </a:txBody>
+                  <a:tcPr/>
+                </a:tc>
+                <a:tc>
+                  <a:txBody>
+                    <a:bodyPr/>
+                    <a:lstStyle/>
+                    <a:p>
+                      <a:endParaRPr lang="fr-FR"/>
+                    </a:p>
+                  </a:txBody>
+                  <a:tcPr/>
+                </a:tc>
+                <a:tc rowSpan="2">
+                  <a:txBody>
+                    <a:bodyPr/>
+                    <a:lstStyle/>
+                    <a:p>
+                      <a:r>
+                        <a:rPr lang="fr-FR" dirty="0" smtClean="0"/>
+                        <a:t>d</a:t>
+                      </a:r>
+                      <a:endParaRPr lang="fr-FR" dirty="0"/>
+                    </a:p>
+                  </a:txBody>
+                  <a:tcPr/>
+                </a:tc>
+              </a:tr>
+              <a:tr h="370840">
+                <a:tc>
+                  <a:txBody>
+                    <a:bodyPr/>
+                    <a:lstStyle/>
+                    <a:p>
+                      <a:endParaRPr lang="fr-FR"/>
+                    </a:p>
+                  </a:txBody>
+                  <a:tcPr/>
+                </a:tc>
+                <a:tc>
+                  <a:txBody>
+                    <a:bodyPr/>
+                    <a:lstStyle/>
+                    <a:p>
+                      <a:endParaRPr lang="fr-FR"/>
+                    </a:p>
+                  </a:txBody>
+                  <a:tcPr/>
+                </a:tc>
+                <a:tc rowSpan="2">
+                  <a:txBody>
+                    <a:bodyPr/>
+                    <a:lstStyle/>
+                    <a:p>
+                      <a:r>
+                        <a:rPr lang="fr-FR" dirty="0" smtClean="0"/>
+                        <a:t>c</a:t>
+                      </a:r>
+                      <a:endParaRPr lang="fr-FR" dirty="0"/>
+                    </a:p>
+                  </a:txBody>
+                  <a:tcPr/>
+                </a:tc>
+                <a:tc>
+                  <a:txBody>
+                    <a:bodyPr/>
+                    <a:lstStyle/>
+                    <a:p>
+                      <a:endParaRPr lang="fr-FR"/>
+                    </a:p>
+                  </a:txBody>
+                  <a:tcPr/>
+                </a:tc>
+                <a:tc vMerge="1">
+                  <a:txBody>
+                    <a:bodyPr/>
+                    <a:lstStyle/>
+                    <a:p>
+                      <a:endParaRPr lang="fr-FR" dirty="0"/>
+                    </a:p>
+                  </a:txBody>
+                  <a:tcPr/>
+                </a:tc>
+              </a:tr>
+              <a:tr h="370840">
+                <a:tc rowSpan="2">
+                  <a:txBody>
+                    <a:bodyPr/>
+                    <a:lstStyle/>
+                    <a:p>
+                      <a:r>
+                        <a:rPr lang="fr-FR" dirty="0" smtClean="0"/>
+                        <a:t>b</a:t>
+                      </a:r>
+                      <a:endParaRPr lang="fr-FR" dirty="0"/>
+                    </a:p>
+                  </a:txBody>
+                  <a:tcPr/>
+                </a:tc>
+                <a:tc>
+                  <a:txBody>
+                    <a:bodyPr/>
+                    <a:lstStyle/>
+                    <a:p>
+                      <a:endParaRPr lang="fr-FR"/>
+                    </a:p>
+                  </a:txBody>
+                  <a:tcPr/>
+                </a:tc>
+                <a:tc vMerge="1">
+                  <a:txBody>
+                    <a:bodyPr/>
+                    <a:lstStyle/>
+                    <a:p>
+                      <a:endParaRPr lang="fr-FR" dirty="0"/>
+                    </a:p>
+                  </a:txBody>
+                  <a:tcPr/>
+                </a:tc>
+                <a:tc>
+                  <a:txBody>
+                    <a:bodyPr/>
+                    <a:lstStyle/>
+                    <a:p>
+                      <a:endParaRPr lang="fr-FR"/>
+                    </a:p>
+                  </a:txBody>
+                  <a:tcPr/>
+                </a:tc>
+                <a:tc>
+                  <a:txBody>
+                    <a:bodyPr/>
+                    <a:lstStyle/>
+                    <a:p>
+                      <a:endParaRPr lang="fr-FR"/>
+                    </a:p>
+                  </a:txBody>
+                  <a:tcPr/>
+                </a:tc>
+              </a:tr>
+              <a:tr h="370840">
+                <a:tc vMerge="1">
+                  <a:txBody>
+                    <a:bodyPr/>
+                    <a:lstStyle/>
+                    <a:p>
+                      <a:endParaRPr lang="fr-FR" dirty="0"/>
+                    </a:p>
+                  </a:txBody>
+                  <a:tcPr/>
+                </a:tc>
+                <a:tc>
+                  <a:txBody>
+                    <a:bodyPr/>
+                    <a:lstStyle/>
+                    <a:p>
+                      <a:endParaRPr lang="fr-FR"/>
+                    </a:p>
+                  </a:txBody>
+                  <a:tcPr/>
+                </a:tc>
+                <a:tc>
+                  <a:txBody>
+                    <a:bodyPr/>
+                    <a:lstStyle/>
+                    <a:p>
+                      <a:endParaRPr lang="fr-FR"/>
+                    </a:p>
+                  </a:txBody>
+                  <a:tcPr/>
+                </a:tc>
+                <a:tc>
+                  <a:txBody>
+                    <a:bodyPr/>
+                    <a:lstStyle/>
+                    <a:p>
+                      <a:endParaRPr lang="fr-FR"/>
+                    </a:p>
+                  </a:txBody>
+                  <a:tcPr/>
+                </a:tc>
+                <a:tc>
+                  <a:txBody>
+                    <a:bodyPr/>
+                    <a:lstStyle/>
+                    <a:p>
+                      <a:endParaRPr lang="fr-FR"/>
+                    </a:p>
+                  </a:txBody>
+                  <a:tcPr/>
+                </a:tc>
+              </a:tr>
+            </a:tbl>
+          </a:graphicData>
+        </a:graphic>
+      </p:graphicFrame>
+    </p:spTree>
+    <p:extLst>
+      <p:ext uri="{BB962C8B-B14F-4D97-AF65-F5344CB8AC3E}">
+        <p14:creationId xmlns:p14="http://schemas.microsoft.com/office/powerpoint/2010/main" val="1032369283"/>
       </p:ext>
     </p:extLst>
   </p:cSld>
